--- a/Project/DBD_Plasma/ZDPlaskin/CH4_DBD_Plasma/Plasma cross.pptx
+++ b/Project/DBD_Plasma/ZDPlaskin/CH4_DBD_Plasma/Plasma cross.pptx
@@ -104,6 +104,11 @@
       </a:defRPr>
     </a:lvl9pPr>
   </p:defaultTextStyle>
+  <p:extLst>
+    <p:ext uri="{EFAFB233-063F-42B5-8137-9DF3F51BA10A}">
+      <p15:sldGuideLst xmlns:p15="http://schemas.microsoft.com/office/powerpoint/2012/main"/>
+    </p:ext>
+  </p:extLst>
 </p:presentation>
 </file>
 
@@ -254,7 +259,7 @@
           <a:p>
             <a:fld id="{CEC6AEAA-A085-47D3-8365-06D116C507AD}" type="datetimeFigureOut">
               <a:rPr lang="ko-KR" altLang="en-US" smtClean="0"/>
-              <a:t>2024-08-14</a:t>
+              <a:t>2024-08-16</a:t>
             </a:fld>
             <a:endParaRPr lang="ko-KR" altLang="en-US"/>
           </a:p>
@@ -452,7 +457,7 @@
           <a:p>
             <a:fld id="{CEC6AEAA-A085-47D3-8365-06D116C507AD}" type="datetimeFigureOut">
               <a:rPr lang="ko-KR" altLang="en-US" smtClean="0"/>
-              <a:t>2024-08-14</a:t>
+              <a:t>2024-08-16</a:t>
             </a:fld>
             <a:endParaRPr lang="ko-KR" altLang="en-US"/>
           </a:p>
@@ -660,7 +665,7 @@
           <a:p>
             <a:fld id="{CEC6AEAA-A085-47D3-8365-06D116C507AD}" type="datetimeFigureOut">
               <a:rPr lang="ko-KR" altLang="en-US" smtClean="0"/>
-              <a:t>2024-08-14</a:t>
+              <a:t>2024-08-16</a:t>
             </a:fld>
             <a:endParaRPr lang="ko-KR" altLang="en-US"/>
           </a:p>
@@ -858,7 +863,7 @@
           <a:p>
             <a:fld id="{CEC6AEAA-A085-47D3-8365-06D116C507AD}" type="datetimeFigureOut">
               <a:rPr lang="ko-KR" altLang="en-US" smtClean="0"/>
-              <a:t>2024-08-14</a:t>
+              <a:t>2024-08-16</a:t>
             </a:fld>
             <a:endParaRPr lang="ko-KR" altLang="en-US"/>
           </a:p>
@@ -1133,7 +1138,7 @@
           <a:p>
             <a:fld id="{CEC6AEAA-A085-47D3-8365-06D116C507AD}" type="datetimeFigureOut">
               <a:rPr lang="ko-KR" altLang="en-US" smtClean="0"/>
-              <a:t>2024-08-14</a:t>
+              <a:t>2024-08-16</a:t>
             </a:fld>
             <a:endParaRPr lang="ko-KR" altLang="en-US"/>
           </a:p>
@@ -1398,7 +1403,7 @@
           <a:p>
             <a:fld id="{CEC6AEAA-A085-47D3-8365-06D116C507AD}" type="datetimeFigureOut">
               <a:rPr lang="ko-KR" altLang="en-US" smtClean="0"/>
-              <a:t>2024-08-14</a:t>
+              <a:t>2024-08-16</a:t>
             </a:fld>
             <a:endParaRPr lang="ko-KR" altLang="en-US"/>
           </a:p>
@@ -1810,7 +1815,7 @@
           <a:p>
             <a:fld id="{CEC6AEAA-A085-47D3-8365-06D116C507AD}" type="datetimeFigureOut">
               <a:rPr lang="ko-KR" altLang="en-US" smtClean="0"/>
-              <a:t>2024-08-14</a:t>
+              <a:t>2024-08-16</a:t>
             </a:fld>
             <a:endParaRPr lang="ko-KR" altLang="en-US"/>
           </a:p>
@@ -1951,7 +1956,7 @@
           <a:p>
             <a:fld id="{CEC6AEAA-A085-47D3-8365-06D116C507AD}" type="datetimeFigureOut">
               <a:rPr lang="ko-KR" altLang="en-US" smtClean="0"/>
-              <a:t>2024-08-14</a:t>
+              <a:t>2024-08-16</a:t>
             </a:fld>
             <a:endParaRPr lang="ko-KR" altLang="en-US"/>
           </a:p>
@@ -2064,7 +2069,7 @@
           <a:p>
             <a:fld id="{CEC6AEAA-A085-47D3-8365-06D116C507AD}" type="datetimeFigureOut">
               <a:rPr lang="ko-KR" altLang="en-US" smtClean="0"/>
-              <a:t>2024-08-14</a:t>
+              <a:t>2024-08-16</a:t>
             </a:fld>
             <a:endParaRPr lang="ko-KR" altLang="en-US"/>
           </a:p>
@@ -2375,7 +2380,7 @@
           <a:p>
             <a:fld id="{CEC6AEAA-A085-47D3-8365-06D116C507AD}" type="datetimeFigureOut">
               <a:rPr lang="ko-KR" altLang="en-US" smtClean="0"/>
-              <a:t>2024-08-14</a:t>
+              <a:t>2024-08-16</a:t>
             </a:fld>
             <a:endParaRPr lang="ko-KR" altLang="en-US"/>
           </a:p>
@@ -2663,7 +2668,7 @@
           <a:p>
             <a:fld id="{CEC6AEAA-A085-47D3-8365-06D116C507AD}" type="datetimeFigureOut">
               <a:rPr lang="ko-KR" altLang="en-US" smtClean="0"/>
-              <a:t>2024-08-14</a:t>
+              <a:t>2024-08-16</a:t>
             </a:fld>
             <a:endParaRPr lang="ko-KR" altLang="en-US"/>
           </a:p>
@@ -2904,7 +2909,7 @@
           <a:p>
             <a:fld id="{CEC6AEAA-A085-47D3-8365-06D116C507AD}" type="datetimeFigureOut">
               <a:rPr lang="ko-KR" altLang="en-US" smtClean="0"/>
-              <a:t>2024-08-14</a:t>
+              <a:t>2024-08-16</a:t>
             </a:fld>
             <a:endParaRPr lang="ko-KR" altLang="en-US"/>
           </a:p>
@@ -3366,13 +3371,18 @@
           <p:nvPr/>
         </p:nvCxnSpPr>
         <p:spPr>
-          <a:xfrm flipV="1">
-            <a:off x="8612106" y="3324225"/>
-            <a:ext cx="0" cy="2732096"/>
+          <a:xfrm>
+            <a:off x="8178802" y="2460625"/>
+            <a:ext cx="0" cy="3599700"/>
           </a:xfrm>
           <a:prstGeom prst="line">
             <a:avLst/>
           </a:prstGeom>
+          <a:ln>
+            <a:solidFill>
+              <a:srgbClr val="FFFF00"/>
+            </a:solidFill>
+          </a:ln>
         </p:spPr>
         <p:style>
           <a:lnRef idx="1">
@@ -3405,7 +3415,7 @@
         </p:nvCxnSpPr>
         <p:spPr>
           <a:xfrm>
-            <a:off x="2911477" y="3324225"/>
+            <a:off x="2917827" y="5848350"/>
             <a:ext cx="6846886" cy="0"/>
           </a:xfrm>
           <a:prstGeom prst="line">
@@ -3445,6 +3455,156 @@
           <a:xfrm flipV="1">
             <a:off x="2968625" y="2146300"/>
             <a:ext cx="0" cy="47625"/>
+          </a:xfrm>
+          <a:prstGeom prst="line">
+            <a:avLst/>
+          </a:prstGeom>
+        </p:spPr>
+        <p:style>
+          <a:lnRef idx="1">
+            <a:schemeClr val="accent1"/>
+          </a:lnRef>
+          <a:fillRef idx="0">
+            <a:schemeClr val="accent1"/>
+          </a:fillRef>
+          <a:effectRef idx="0">
+            <a:schemeClr val="accent1"/>
+          </a:effectRef>
+          <a:fontRef idx="minor">
+            <a:schemeClr val="tx1"/>
+          </a:fontRef>
+        </p:style>
+      </p:cxnSp>
+      <p:cxnSp>
+        <p:nvCxnSpPr>
+          <p:cNvPr id="26" name="직선 연결선 25">
+            <a:extLst>
+              <a:ext uri="{FF2B5EF4-FFF2-40B4-BE49-F238E27FC236}">
+                <a16:creationId xmlns:a16="http://schemas.microsoft.com/office/drawing/2014/main" id="{AF678492-6338-4D2E-9F3D-53486EDAD788}"/>
+              </a:ext>
+            </a:extLst>
+          </p:cNvPr>
+          <p:cNvCxnSpPr>
+            <a:cxnSpLocks/>
+          </p:cNvCxnSpPr>
+          <p:nvPr/>
+        </p:nvCxnSpPr>
+        <p:spPr>
+          <a:xfrm flipV="1">
+            <a:off x="2968625" y="3171825"/>
+            <a:ext cx="0" cy="28578"/>
+          </a:xfrm>
+          <a:prstGeom prst="line">
+            <a:avLst/>
+          </a:prstGeom>
+        </p:spPr>
+        <p:style>
+          <a:lnRef idx="1">
+            <a:schemeClr val="accent1"/>
+          </a:lnRef>
+          <a:fillRef idx="0">
+            <a:schemeClr val="accent1"/>
+          </a:fillRef>
+          <a:effectRef idx="0">
+            <a:schemeClr val="accent1"/>
+          </a:effectRef>
+          <a:fontRef idx="minor">
+            <a:schemeClr val="tx1"/>
+          </a:fontRef>
+        </p:style>
+      </p:cxnSp>
+      <p:cxnSp>
+        <p:nvCxnSpPr>
+          <p:cNvPr id="73" name="직선 연결선 72">
+            <a:extLst>
+              <a:ext uri="{FF2B5EF4-FFF2-40B4-BE49-F238E27FC236}">
+                <a16:creationId xmlns:a16="http://schemas.microsoft.com/office/drawing/2014/main" id="{5BEC4914-B7C3-4957-BBB2-A7B15CBCD03D}"/>
+              </a:ext>
+            </a:extLst>
+          </p:cNvPr>
+          <p:cNvCxnSpPr>
+            <a:cxnSpLocks/>
+          </p:cNvCxnSpPr>
+          <p:nvPr/>
+        </p:nvCxnSpPr>
+        <p:spPr>
+          <a:xfrm>
+            <a:off x="8175627" y="6060281"/>
+            <a:ext cx="41273" cy="0"/>
+          </a:xfrm>
+          <a:prstGeom prst="line">
+            <a:avLst/>
+          </a:prstGeom>
+        </p:spPr>
+        <p:style>
+          <a:lnRef idx="1">
+            <a:schemeClr val="accent1"/>
+          </a:lnRef>
+          <a:fillRef idx="0">
+            <a:schemeClr val="accent1"/>
+          </a:fillRef>
+          <a:effectRef idx="0">
+            <a:schemeClr val="accent1"/>
+          </a:effectRef>
+          <a:fontRef idx="minor">
+            <a:schemeClr val="tx1"/>
+          </a:fontRef>
+        </p:style>
+      </p:cxnSp>
+      <p:cxnSp>
+        <p:nvCxnSpPr>
+          <p:cNvPr id="83" name="직선 연결선 82">
+            <a:extLst>
+              <a:ext uri="{FF2B5EF4-FFF2-40B4-BE49-F238E27FC236}">
+                <a16:creationId xmlns:a16="http://schemas.microsoft.com/office/drawing/2014/main" id="{8B633B76-6FAB-457A-9554-4154A01D8027}"/>
+              </a:ext>
+            </a:extLst>
+          </p:cNvPr>
+          <p:cNvCxnSpPr>
+            <a:cxnSpLocks/>
+          </p:cNvCxnSpPr>
+          <p:nvPr/>
+        </p:nvCxnSpPr>
+        <p:spPr>
+          <a:xfrm flipV="1">
+            <a:off x="2968625" y="5848350"/>
+            <a:ext cx="0" cy="211975"/>
+          </a:xfrm>
+          <a:prstGeom prst="line">
+            <a:avLst/>
+          </a:prstGeom>
+        </p:spPr>
+        <p:style>
+          <a:lnRef idx="1">
+            <a:schemeClr val="accent1"/>
+          </a:lnRef>
+          <a:fillRef idx="0">
+            <a:schemeClr val="accent1"/>
+          </a:fillRef>
+          <a:effectRef idx="0">
+            <a:schemeClr val="accent1"/>
+          </a:effectRef>
+          <a:fontRef idx="minor">
+            <a:schemeClr val="tx1"/>
+          </a:fontRef>
+        </p:style>
+      </p:cxnSp>
+      <p:cxnSp>
+        <p:nvCxnSpPr>
+          <p:cNvPr id="117" name="직선 연결선 116">
+            <a:extLst>
+              <a:ext uri="{FF2B5EF4-FFF2-40B4-BE49-F238E27FC236}">
+                <a16:creationId xmlns:a16="http://schemas.microsoft.com/office/drawing/2014/main" id="{2FAA0950-94C6-4D86-B6E9-451E315A92A1}"/>
+              </a:ext>
+            </a:extLst>
+          </p:cNvPr>
+          <p:cNvCxnSpPr/>
+          <p:nvPr/>
+        </p:nvCxnSpPr>
+        <p:spPr>
+          <a:xfrm>
+            <a:off x="5191125" y="6022181"/>
+            <a:ext cx="16669" cy="0"/>
           </a:xfrm>
           <a:prstGeom prst="line">
             <a:avLst/>
